--- a/img/cbc-dec.pptx
+++ b/img/cbc-dec.pptx
@@ -151,7 +151,7 @@
       </p14:sectionLst>
     </p:ext>
     <p:ext uri="{EFAFB233-063F-42B5-8137-9DF3F51BA10A}">
-      <p15:sldGuideLst xmlns:p15="http://schemas.microsoft.com/office/powerpoint/2012/main" xmlns="">
+      <p15:sldGuideLst xmlns="" xmlns:p15="http://schemas.microsoft.com/office/powerpoint/2012/main">
         <p15:guide id="1" orient="horz" pos="2160">
           <p15:clr>
             <a:srgbClr val="A4A3A4"/>
@@ -165,7 +165,7 @@
       </p15:sldGuideLst>
     </p:ext>
     <p:ext uri="{2D200454-40CA-4A62-9FC3-DE9A4176ACB9}">
-      <p15:notesGuideLst xmlns:p15="http://schemas.microsoft.com/office/powerpoint/2012/main" xmlns="">
+      <p15:notesGuideLst xmlns="" xmlns:p15="http://schemas.microsoft.com/office/powerpoint/2012/main">
         <p15:guide id="1" orient="horz" pos="3223">
           <p15:clr>
             <a:srgbClr val="A4A3A4"/>
@@ -1953,14 +1953,15 @@
         <p:nvCxnSpPr>
           <p:cNvPr id="23" name="直線矢印コネクタ 22"/>
           <p:cNvCxnSpPr>
-            <a:stCxn id="29" idx="3"/>
+            <a:stCxn id="36" idx="3"/>
+            <a:endCxn id="12" idx="1"/>
           </p:cNvCxnSpPr>
           <p:nvPr/>
         </p:nvCxnSpPr>
         <p:spPr>
           <a:xfrm>
-            <a:off x="1208857" y="2345216"/>
-            <a:ext cx="304430" cy="5086"/>
+            <a:off x="1244992" y="2349174"/>
+            <a:ext cx="218837" cy="0"/>
           </a:xfrm>
           <a:prstGeom prst="straightConnector1">
             <a:avLst/>
@@ -1988,108 +1989,6 @@
           </a:fontRef>
         </p:style>
       </p:cxnSp>
-      <mc:AlternateContent xmlns:mc="http://schemas.openxmlformats.org/markup-compatibility/2006">
-        <mc:Choice xmlns:a14="http://schemas.microsoft.com/office/drawing/2010/main" Requires="a14">
-          <p:sp>
-            <p:nvSpPr>
-              <p:cNvPr id="29" name="テキスト ボックス 28"/>
-              <p:cNvSpPr txBox="1"/>
-              <p:nvPr/>
-            </p:nvSpPr>
-            <p:spPr>
-              <a:xfrm>
-                <a:off x="881712" y="2231124"/>
-                <a:ext cx="327145" cy="228183"/>
-              </a:xfrm>
-              <a:prstGeom prst="rect">
-                <a:avLst/>
-              </a:prstGeom>
-              <a:noFill/>
-              <a:ln w="9525" cap="rnd">
-                <a:solidFill>
-                  <a:srgbClr val="000000"/>
-                </a:solidFill>
-                <a:prstDash val="solid"/>
-              </a:ln>
-            </p:spPr>
-            <p:txBody>
-              <a:bodyPr wrap="square" lIns="43094" tIns="21548" rIns="43094" bIns="21548" rtlCol="0">
-                <a:spAutoFit/>
-              </a:bodyPr>
-              <a:lstStyle/>
-              <a:p>
-                <a:pPr/>
-                <a14:m>
-                  <m:oMathPara xmlns:m="http://schemas.openxmlformats.org/officeDocument/2006/math">
-                    <m:oMathParaPr>
-                      <m:jc m:val="centerGroup"/>
-                    </m:oMathParaPr>
-                    <m:oMath xmlns:m="http://schemas.openxmlformats.org/officeDocument/2006/math">
-                      <m:r>
-                        <a:rPr lang="en-US" altLang="ja-JP" sz="1200" b="0" i="1" smtClean="0">
-                          <a:latin typeface="Cambria Math"/>
-                          <a:ea typeface="ＭＳ ゴシック" pitchFamily="49" charset="-128"/>
-                          <a:cs typeface="Courier New" pitchFamily="49" charset="0"/>
-                        </a:rPr>
-                        <m:t>𝐼𝑉</m:t>
-                      </m:r>
-                    </m:oMath>
-                  </m:oMathPara>
-                </a14:m>
-                <a:endParaRPr lang="ja-JP" altLang="en-US" sz="1200">
-                  <a:latin typeface="Courier New" pitchFamily="49" charset="0"/>
-                  <a:ea typeface="ＭＳ ゴシック" pitchFamily="49" charset="-128"/>
-                  <a:cs typeface="Courier New" pitchFamily="49" charset="0"/>
-                </a:endParaRPr>
-              </a:p>
-            </p:txBody>
-          </p:sp>
-        </mc:Choice>
-        <mc:Fallback>
-          <p:sp>
-            <p:nvSpPr>
-              <p:cNvPr id="29" name="テキスト ボックス 28"/>
-              <p:cNvSpPr txBox="1">
-                <a:spLocks noRot="1" noChangeAspect="1" noMove="1" noResize="1" noEditPoints="1" noAdjustHandles="1" noChangeArrowheads="1" noChangeShapeType="1" noTextEdit="1"/>
-              </p:cNvSpPr>
-              <p:nvPr/>
-            </p:nvSpPr>
-            <p:spPr>
-              <a:xfrm>
-                <a:off x="881712" y="2231124"/>
-                <a:ext cx="327145" cy="228183"/>
-              </a:xfrm>
-              <a:prstGeom prst="rect">
-                <a:avLst/>
-              </a:prstGeom>
-              <a:blipFill rotWithShape="1">
-                <a:blip r:embed="rId2"/>
-                <a:stretch>
-                  <a:fillRect/>
-                </a:stretch>
-              </a:blipFill>
-              <a:ln w="9525" cap="rnd">
-                <a:solidFill>
-                  <a:srgbClr val="000000"/>
-                </a:solidFill>
-                <a:prstDash val="solid"/>
-              </a:ln>
-            </p:spPr>
-            <p:txBody>
-              <a:bodyPr/>
-              <a:lstStyle/>
-              <a:p>
-                <a:r>
-                  <a:rPr lang="ja-JP" altLang="en-US">
-                    <a:noFill/>
-                  </a:rPr>
-                  <a:t> </a:t>
-                </a:r>
-              </a:p>
-            </p:txBody>
-          </p:sp>
-        </mc:Fallback>
-      </mc:AlternateContent>
       <p:grpSp>
         <p:nvGrpSpPr>
           <p:cNvPr id="14" name="グループ化 13"/>
@@ -2099,13 +1998,13 @@
         <p:grpSpPr>
           <a:xfrm>
             <a:off x="1405456" y="1485900"/>
-            <a:ext cx="360040" cy="1368152"/>
+            <a:ext cx="360040" cy="1345069"/>
             <a:chOff x="1405456" y="1485900"/>
-            <a:chExt cx="360040" cy="1368152"/>
+            <a:chExt cx="360040" cy="1345069"/>
           </a:xfrm>
         </p:grpSpPr>
-        <mc:AlternateContent xmlns:mc="http://schemas.openxmlformats.org/markup-compatibility/2006">
-          <mc:Choice xmlns:a14="http://schemas.microsoft.com/office/drawing/2010/main" Requires="a14">
+        <mc:AlternateContent xmlns:mc="http://schemas.openxmlformats.org/markup-compatibility/2006" xmlns:a14="http://schemas.microsoft.com/office/drawing/2010/main">
+          <mc:Choice Requires="a14">
             <p:sp>
               <p:nvSpPr>
                 <p:cNvPr id="9" name="テキスト ボックス 8"/>
@@ -2115,7 +2014,7 @@
               <p:spPr>
                 <a:xfrm>
                   <a:off x="1421904" y="1485900"/>
-                  <a:ext cx="327145" cy="228183"/>
+                  <a:ext cx="327145" cy="205100"/>
                 </a:xfrm>
                 <a:prstGeom prst="rect">
                   <a:avLst/>
@@ -2144,7 +2043,7 @@
                         <m:sSub>
                           <m:sSubPr>
                             <m:ctrlPr>
-                              <a:rPr lang="en-US" altLang="ja-JP" sz="1200" b="0" i="1" smtClean="0">
+                              <a:rPr lang="en-US" altLang="ja-JP" sz="1050" b="0" i="1" smtClean="0">
                                 <a:latin typeface="Cambria Math"/>
                                 <a:ea typeface="ＭＳ ゴシック" pitchFamily="49" charset="-128"/>
                                 <a:cs typeface="Courier New" pitchFamily="49" charset="0"/>
@@ -2153,7 +2052,7 @@
                           </m:sSubPr>
                           <m:e>
                             <m:r>
-                              <a:rPr lang="en-US" altLang="ja-JP" sz="1200" b="0" i="1" smtClean="0">
+                              <a:rPr lang="en-US" altLang="ja-JP" sz="1050" b="0" i="1" smtClean="0">
                                 <a:latin typeface="Cambria Math"/>
                                 <a:ea typeface="ＭＳ ゴシック" pitchFamily="49" charset="-128"/>
                                 <a:cs typeface="Courier New" pitchFamily="49" charset="0"/>
@@ -2163,7 +2062,7 @@
                           </m:e>
                           <m:sub>
                             <m:r>
-                              <a:rPr lang="en-US" altLang="ja-JP" sz="1200" b="0" i="1" smtClean="0">
+                              <a:rPr lang="en-US" altLang="ja-JP" sz="1050" b="0" i="1" smtClean="0">
                                 <a:latin typeface="Cambria Math"/>
                                 <a:ea typeface="ＭＳ ゴシック" pitchFamily="49" charset="-128"/>
                                 <a:cs typeface="Courier New" pitchFamily="49" charset="0"/>
@@ -2175,7 +2074,7 @@
                       </m:oMath>
                     </m:oMathPara>
                   </a14:m>
-                  <a:endParaRPr lang="ja-JP" altLang="en-US" sz="1200">
+                  <a:endParaRPr lang="ja-JP" altLang="en-US" sz="1050">
                     <a:latin typeface="Courier New" pitchFamily="49" charset="0"/>
                     <a:ea typeface="ＭＳ ゴシック" pitchFamily="49" charset="-128"/>
                     <a:cs typeface="Courier New" pitchFamily="49" charset="0"/>
@@ -2184,7 +2083,7 @@
               </p:txBody>
             </p:sp>
           </mc:Choice>
-          <mc:Fallback>
+          <mc:Fallback xmlns="">
             <p:sp>
               <p:nvSpPr>
                 <p:cNvPr id="9" name="テキスト ボックス 8"/>
@@ -2229,8 +2128,8 @@
             </p:sp>
           </mc:Fallback>
         </mc:AlternateContent>
-        <mc:AlternateContent xmlns:mc="http://schemas.openxmlformats.org/markup-compatibility/2006">
-          <mc:Choice xmlns:a14="http://schemas.microsoft.com/office/drawing/2010/main" Requires="a14">
+        <mc:AlternateContent xmlns:mc="http://schemas.openxmlformats.org/markup-compatibility/2006" xmlns:a14="http://schemas.microsoft.com/office/drawing/2010/main">
+          <mc:Choice Requires="a14">
             <p:sp>
               <p:nvSpPr>
                 <p:cNvPr id="40" name="テキスト ボックス 39"/>
@@ -2240,7 +2139,7 @@
               <p:spPr>
                 <a:xfrm>
                   <a:off x="1421904" y="2625869"/>
-                  <a:ext cx="327145" cy="228183"/>
+                  <a:ext cx="327145" cy="205100"/>
                 </a:xfrm>
                 <a:prstGeom prst="rect">
                   <a:avLst/>
@@ -2269,7 +2168,7 @@
                         <m:sSub>
                           <m:sSubPr>
                             <m:ctrlPr>
-                              <a:rPr lang="en-US" altLang="ja-JP" sz="1200" b="0" i="1" smtClean="0">
+                              <a:rPr lang="en-US" altLang="ja-JP" sz="1050" b="0" i="1" smtClean="0">
                                 <a:latin typeface="Cambria Math"/>
                                 <a:ea typeface="ＭＳ ゴシック" pitchFamily="49" charset="-128"/>
                                 <a:cs typeface="Courier New" pitchFamily="49" charset="0"/>
@@ -2278,7 +2177,7 @@
                           </m:sSubPr>
                           <m:e>
                             <m:r>
-                              <a:rPr lang="en-US" altLang="ja-JP" sz="1200" b="0" i="1" smtClean="0">
+                              <a:rPr lang="en-US" altLang="ja-JP" sz="1050" b="0" i="1" smtClean="0">
                                 <a:latin typeface="Cambria Math"/>
                                 <a:ea typeface="ＭＳ ゴシック" pitchFamily="49" charset="-128"/>
                                 <a:cs typeface="Courier New" pitchFamily="49" charset="0"/>
@@ -2288,7 +2187,7 @@
                           </m:e>
                           <m:sub>
                             <m:r>
-                              <a:rPr lang="en-US" altLang="ja-JP" sz="1200" b="0" i="1" smtClean="0">
+                              <a:rPr lang="en-US" altLang="ja-JP" sz="1050" b="0" i="1" smtClean="0">
                                 <a:latin typeface="Cambria Math"/>
                                 <a:ea typeface="ＭＳ ゴシック" pitchFamily="49" charset="-128"/>
                                 <a:cs typeface="Courier New" pitchFamily="49" charset="0"/>
@@ -2300,7 +2199,7 @@
                       </m:oMath>
                     </m:oMathPara>
                   </a14:m>
-                  <a:endParaRPr lang="ja-JP" altLang="en-US" sz="1200">
+                  <a:endParaRPr lang="ja-JP" altLang="en-US" sz="1050">
                     <a:latin typeface="Courier New" pitchFamily="49" charset="0"/>
                     <a:ea typeface="ＭＳ ゴシック" pitchFamily="49" charset="-128"/>
                     <a:cs typeface="Courier New" pitchFamily="49" charset="0"/>
@@ -2309,7 +2208,7 @@
               </p:txBody>
             </p:sp>
           </mc:Choice>
-          <mc:Fallback>
+          <mc:Fallback xmlns="">
             <p:sp>
               <p:nvSpPr>
                 <p:cNvPr id="40" name="テキスト ボックス 39"/>
@@ -2404,18 +2303,25 @@
                       </m:oMathParaPr>
                       <m:oMath xmlns:m="http://schemas.openxmlformats.org/officeDocument/2006/math">
                         <m:r>
-                          <a:rPr kumimoji="1" lang="en-US" altLang="ja-JP" sz="1200" b="0" i="1" smtClean="0">
+                          <m:rPr>
+                            <m:sty m:val="p"/>
+                          </m:rPr>
+                          <a:rPr kumimoji="1" lang="en-US" altLang="ja-JP" sz="1050" b="0" i="0" smtClean="0">
                             <a:solidFill>
                               <a:schemeClr val="tx1"/>
                             </a:solidFill>
                             <a:latin typeface="Cambria Math"/>
                           </a:rPr>
-                          <m:t>𝐷𝑒𝑐</m:t>
+                          <m:t>Enc</m:t>
                         </m:r>
                       </m:oMath>
                     </m:oMathPara>
                   </a14:m>
-                  <a:endParaRPr kumimoji="1" lang="ja-JP" altLang="en-US"/>
+                  <a:endParaRPr kumimoji="1" lang="ja-JP" altLang="en-US" sz="1050">
+                    <a:solidFill>
+                      <a:schemeClr val="tx1"/>
+                    </a:solidFill>
+                  </a:endParaRPr>
                 </a:p>
               </p:txBody>
             </p:sp>
@@ -2440,7 +2346,7 @@
                 <a:blipFill rotWithShape="1">
                   <a:blip r:embed="rId5"/>
                   <a:stretch>
-                    <a:fillRect l="-5000"/>
+                    <a:fillRect/>
                   </a:stretch>
                 </a:blipFill>
                 <a:ln w="6350">
@@ -2464,8 +2370,8 @@
             </p:sp>
           </mc:Fallback>
         </mc:AlternateContent>
-        <mc:AlternateContent xmlns:mc="http://schemas.openxmlformats.org/markup-compatibility/2006">
-          <mc:Choice xmlns:a14="http://schemas.microsoft.com/office/drawing/2010/main" Requires="a14">
+        <mc:AlternateContent xmlns:mc="http://schemas.openxmlformats.org/markup-compatibility/2006" xmlns:a14="http://schemas.microsoft.com/office/drawing/2010/main">
+          <mc:Choice Requires="a14">
             <p:sp>
               <p:nvSpPr>
                 <p:cNvPr id="12" name="テキスト ボックス 11"/>
@@ -2475,7 +2381,7 @@
               <p:spPr>
                 <a:xfrm>
                   <a:off x="1463829" y="2246624"/>
-                  <a:ext cx="245789" cy="228183"/>
+                  <a:ext cx="245789" cy="205100"/>
                 </a:xfrm>
                 <a:prstGeom prst="rect">
                   <a:avLst/>
@@ -2500,7 +2406,7 @@
                       </m:oMathParaPr>
                       <m:oMath xmlns:m="http://schemas.openxmlformats.org/officeDocument/2006/math">
                         <m:r>
-                          <a:rPr lang="en-US" altLang="ja-JP" sz="1200" b="0" i="1" smtClean="0">
+                          <a:rPr lang="en-US" altLang="ja-JP" sz="1050" b="0" i="1" smtClean="0">
                             <a:latin typeface="Cambria Math"/>
                             <a:ea typeface="ＭＳ ゴシック" pitchFamily="49" charset="-128"/>
                             <a:cs typeface="Courier New" pitchFamily="49" charset="0"/>
@@ -2510,7 +2416,7 @@
                       </m:oMath>
                     </m:oMathPara>
                   </a14:m>
-                  <a:endParaRPr lang="ja-JP" altLang="en-US" sz="1200">
+                  <a:endParaRPr lang="ja-JP" altLang="en-US" sz="1050">
                     <a:latin typeface="Courier New" pitchFamily="49" charset="0"/>
                     <a:ea typeface="ＭＳ ゴシック" pitchFamily="49" charset="-128"/>
                     <a:cs typeface="Courier New" pitchFamily="49" charset="0"/>
@@ -2519,7 +2425,7 @@
               </p:txBody>
             </p:sp>
           </mc:Choice>
-          <mc:Fallback>
+          <mc:Fallback xmlns="">
             <p:sp>
               <p:nvSpPr>
                 <p:cNvPr id="12" name="テキスト ボックス 11"/>
@@ -2651,8 +2557,8 @@
           </p:nvCxnSpPr>
           <p:spPr>
             <a:xfrm flipH="1">
-              <a:off x="1585476" y="1714083"/>
-              <a:ext cx="1" cy="170524"/>
+              <a:off x="1585476" y="1691000"/>
+              <a:ext cx="1" cy="193607"/>
             </a:xfrm>
             <a:prstGeom prst="straightConnector1">
               <a:avLst/>
@@ -2690,9 +2596,9 @@
         <p:grpSpPr>
           <a:xfrm>
             <a:off x="1749049" y="1485900"/>
-            <a:ext cx="724233" cy="1368152"/>
+            <a:ext cx="724233" cy="1345069"/>
             <a:chOff x="1749049" y="1485900"/>
-            <a:chExt cx="724233" cy="1368152"/>
+            <a:chExt cx="724233" cy="1345069"/>
           </a:xfrm>
         </p:grpSpPr>
         <p:cxnSp>
@@ -2815,13 +2721,13 @@
           <p:grpSpPr>
             <a:xfrm>
               <a:off x="2113242" y="1485900"/>
-              <a:ext cx="360040" cy="1368152"/>
+              <a:ext cx="360040" cy="1345069"/>
               <a:chOff x="1405456" y="1485900"/>
-              <a:chExt cx="360040" cy="1368152"/>
+              <a:chExt cx="360040" cy="1345069"/>
             </a:xfrm>
           </p:grpSpPr>
-          <mc:AlternateContent xmlns:mc="http://schemas.openxmlformats.org/markup-compatibility/2006">
-            <mc:Choice xmlns:a14="http://schemas.microsoft.com/office/drawing/2010/main" Requires="a14">
+          <mc:AlternateContent xmlns:mc="http://schemas.openxmlformats.org/markup-compatibility/2006" xmlns:a14="http://schemas.microsoft.com/office/drawing/2010/main">
+            <mc:Choice Requires="a14">
               <p:sp>
                 <p:nvSpPr>
                   <p:cNvPr id="45" name="テキスト ボックス 44"/>
@@ -2831,7 +2737,7 @@
                 <p:spPr>
                   <a:xfrm>
                     <a:off x="1421904" y="1485900"/>
-                    <a:ext cx="327145" cy="228183"/>
+                    <a:ext cx="327145" cy="205100"/>
                   </a:xfrm>
                   <a:prstGeom prst="rect">
                     <a:avLst/>
@@ -2860,7 +2766,7 @@
                           <m:sSub>
                             <m:sSubPr>
                               <m:ctrlPr>
-                                <a:rPr lang="en-US" altLang="ja-JP" sz="1200" b="0" i="1" smtClean="0">
+                                <a:rPr lang="en-US" altLang="ja-JP" sz="1050" b="0" i="1" smtClean="0">
                                   <a:latin typeface="Cambria Math"/>
                                   <a:ea typeface="ＭＳ ゴシック" pitchFamily="49" charset="-128"/>
                                   <a:cs typeface="Courier New" pitchFamily="49" charset="0"/>
@@ -2869,7 +2775,7 @@
                             </m:sSubPr>
                             <m:e>
                               <m:r>
-                                <a:rPr lang="en-US" altLang="ja-JP" sz="1200" b="0" i="1" smtClean="0">
+                                <a:rPr lang="en-US" altLang="ja-JP" sz="1050" b="0" i="1" smtClean="0">
                                   <a:latin typeface="Cambria Math"/>
                                   <a:ea typeface="ＭＳ ゴシック" pitchFamily="49" charset="-128"/>
                                   <a:cs typeface="Courier New" pitchFamily="49" charset="0"/>
@@ -2879,7 +2785,7 @@
                             </m:e>
                             <m:sub>
                               <m:r>
-                                <a:rPr lang="en-US" altLang="ja-JP" sz="1200" b="0" i="1" smtClean="0">
+                                <a:rPr lang="en-US" altLang="ja-JP" sz="1050" b="0" i="1" smtClean="0">
                                   <a:latin typeface="Cambria Math"/>
                                   <a:ea typeface="ＭＳ ゴシック" pitchFamily="49" charset="-128"/>
                                   <a:cs typeface="Courier New" pitchFamily="49" charset="0"/>
@@ -2891,7 +2797,7 @@
                         </m:oMath>
                       </m:oMathPara>
                     </a14:m>
-                    <a:endParaRPr lang="ja-JP" altLang="en-US" sz="1200">
+                    <a:endParaRPr lang="ja-JP" altLang="en-US" sz="1050">
                       <a:latin typeface="Courier New" pitchFamily="49" charset="0"/>
                       <a:ea typeface="ＭＳ ゴシック" pitchFamily="49" charset="-128"/>
                       <a:cs typeface="Courier New" pitchFamily="49" charset="0"/>
@@ -2900,7 +2806,7 @@
                 </p:txBody>
               </p:sp>
             </mc:Choice>
-            <mc:Fallback>
+            <mc:Fallback xmlns="">
               <p:sp>
                 <p:nvSpPr>
                   <p:cNvPr id="45" name="テキスト ボックス 44"/>
@@ -2945,8 +2851,8 @@
               </p:sp>
             </mc:Fallback>
           </mc:AlternateContent>
-          <mc:AlternateContent xmlns:mc="http://schemas.openxmlformats.org/markup-compatibility/2006">
-            <mc:Choice xmlns:a14="http://schemas.microsoft.com/office/drawing/2010/main" Requires="a14">
+          <mc:AlternateContent xmlns:mc="http://schemas.openxmlformats.org/markup-compatibility/2006" xmlns:a14="http://schemas.microsoft.com/office/drawing/2010/main">
+            <mc:Choice Requires="a14">
               <p:sp>
                 <p:nvSpPr>
                   <p:cNvPr id="47" name="テキスト ボックス 46"/>
@@ -2956,7 +2862,7 @@
                 <p:spPr>
                   <a:xfrm>
                     <a:off x="1421904" y="2625869"/>
-                    <a:ext cx="327145" cy="228183"/>
+                    <a:ext cx="327145" cy="205100"/>
                   </a:xfrm>
                   <a:prstGeom prst="rect">
                     <a:avLst/>
@@ -2985,7 +2891,7 @@
                           <m:sSub>
                             <m:sSubPr>
                               <m:ctrlPr>
-                                <a:rPr lang="en-US" altLang="ja-JP" sz="1200" b="0" i="1" smtClean="0">
+                                <a:rPr lang="en-US" altLang="ja-JP" sz="1050" b="0" i="1" smtClean="0">
                                   <a:latin typeface="Cambria Math"/>
                                   <a:ea typeface="ＭＳ ゴシック" pitchFamily="49" charset="-128"/>
                                   <a:cs typeface="Courier New" pitchFamily="49" charset="0"/>
@@ -2994,7 +2900,7 @@
                             </m:sSubPr>
                             <m:e>
                               <m:r>
-                                <a:rPr lang="en-US" altLang="ja-JP" sz="1200" b="0" i="1" smtClean="0">
+                                <a:rPr lang="en-US" altLang="ja-JP" sz="1050" b="0" i="1" smtClean="0">
                                   <a:latin typeface="Cambria Math"/>
                                   <a:ea typeface="ＭＳ ゴシック" pitchFamily="49" charset="-128"/>
                                   <a:cs typeface="Courier New" pitchFamily="49" charset="0"/>
@@ -3004,7 +2910,7 @@
                             </m:e>
                             <m:sub>
                               <m:r>
-                                <a:rPr lang="en-US" altLang="ja-JP" sz="1200" b="0" i="1" smtClean="0">
+                                <a:rPr lang="en-US" altLang="ja-JP" sz="1050" b="0" i="1" smtClean="0">
                                   <a:latin typeface="Cambria Math"/>
                                   <a:ea typeface="ＭＳ ゴシック" pitchFamily="49" charset="-128"/>
                                   <a:cs typeface="Courier New" pitchFamily="49" charset="0"/>
@@ -3016,7 +2922,7 @@
                         </m:oMath>
                       </m:oMathPara>
                     </a14:m>
-                    <a:endParaRPr lang="ja-JP" altLang="en-US" sz="1200">
+                    <a:endParaRPr lang="ja-JP" altLang="en-US" sz="1050">
                       <a:latin typeface="Courier New" pitchFamily="49" charset="0"/>
                       <a:ea typeface="ＭＳ ゴシック" pitchFamily="49" charset="-128"/>
                       <a:cs typeface="Courier New" pitchFamily="49" charset="0"/>
@@ -3025,7 +2931,7 @@
                 </p:txBody>
               </p:sp>
             </mc:Choice>
-            <mc:Fallback>
+            <mc:Fallback xmlns="">
               <p:sp>
                 <p:nvSpPr>
                   <p:cNvPr id="47" name="テキスト ボックス 46"/>
@@ -3120,18 +3026,25 @@
                         </m:oMathParaPr>
                         <m:oMath xmlns:m="http://schemas.openxmlformats.org/officeDocument/2006/math">
                           <m:r>
-                            <a:rPr kumimoji="1" lang="en-US" altLang="ja-JP" sz="1200" b="0" i="1" smtClean="0">
+                            <m:rPr>
+                              <m:sty m:val="p"/>
+                            </m:rPr>
+                            <a:rPr kumimoji="1" lang="en-US" altLang="ja-JP" sz="1050" b="0" i="0" smtClean="0">
                               <a:solidFill>
                                 <a:schemeClr val="tx1"/>
                               </a:solidFill>
                               <a:latin typeface="Cambria Math"/>
                             </a:rPr>
-                            <m:t>𝐷𝑒𝑐</m:t>
+                            <m:t>Enc</m:t>
                           </m:r>
                         </m:oMath>
                       </m:oMathPara>
                     </a14:m>
-                    <a:endParaRPr kumimoji="1" lang="ja-JP" altLang="en-US"/>
+                    <a:endParaRPr kumimoji="1" lang="ja-JP" altLang="en-US" sz="1050">
+                      <a:solidFill>
+                        <a:schemeClr val="tx1"/>
+                      </a:solidFill>
+                    </a:endParaRPr>
                   </a:p>
                 </p:txBody>
               </p:sp>
@@ -3154,9 +3067,9 @@
                     <a:avLst/>
                   </a:prstGeom>
                   <a:blipFill rotWithShape="1">
-                    <a:blip r:embed="rId5"/>
+                    <a:blip r:embed="rId9"/>
                     <a:stretch>
-                      <a:fillRect l="-5000"/>
+                      <a:fillRect/>
                     </a:stretch>
                   </a:blipFill>
                   <a:ln w="6350">
@@ -3180,8 +3093,8 @@
               </p:sp>
             </mc:Fallback>
           </mc:AlternateContent>
-          <mc:AlternateContent xmlns:mc="http://schemas.openxmlformats.org/markup-compatibility/2006">
-            <mc:Choice xmlns:a14="http://schemas.microsoft.com/office/drawing/2010/main" Requires="a14">
+          <mc:AlternateContent xmlns:mc="http://schemas.openxmlformats.org/markup-compatibility/2006" xmlns:a14="http://schemas.microsoft.com/office/drawing/2010/main">
+            <mc:Choice Requires="a14">
               <p:sp>
                 <p:nvSpPr>
                   <p:cNvPr id="51" name="テキスト ボックス 50"/>
@@ -3191,7 +3104,7 @@
                 <p:spPr>
                   <a:xfrm>
                     <a:off x="1463829" y="2246624"/>
-                    <a:ext cx="245789" cy="228183"/>
+                    <a:ext cx="245789" cy="205100"/>
                   </a:xfrm>
                   <a:prstGeom prst="rect">
                     <a:avLst/>
@@ -3216,7 +3129,7 @@
                         </m:oMathParaPr>
                         <m:oMath xmlns:m="http://schemas.openxmlformats.org/officeDocument/2006/math">
                           <m:r>
-                            <a:rPr lang="en-US" altLang="ja-JP" sz="1200" b="0" i="1" smtClean="0">
+                            <a:rPr lang="en-US" altLang="ja-JP" sz="1050" b="0" i="1" smtClean="0">
                               <a:latin typeface="Cambria Math"/>
                               <a:ea typeface="ＭＳ ゴシック" pitchFamily="49" charset="-128"/>
                               <a:cs typeface="Courier New" pitchFamily="49" charset="0"/>
@@ -3226,7 +3139,7 @@
                         </m:oMath>
                       </m:oMathPara>
                     </a14:m>
-                    <a:endParaRPr lang="ja-JP" altLang="en-US" sz="1200">
+                    <a:endParaRPr lang="ja-JP" altLang="en-US" sz="1050">
                       <a:latin typeface="Courier New" pitchFamily="49" charset="0"/>
                       <a:ea typeface="ＭＳ ゴシック" pitchFamily="49" charset="-128"/>
                       <a:cs typeface="Courier New" pitchFamily="49" charset="0"/>
@@ -3235,7 +3148,7 @@
                 </p:txBody>
               </p:sp>
             </mc:Choice>
-            <mc:Fallback>
+            <mc:Fallback xmlns="">
               <p:sp>
                 <p:nvSpPr>
                   <p:cNvPr id="51" name="テキスト ボックス 50"/>
@@ -3367,8 +3280,8 @@
             </p:nvCxnSpPr>
             <p:spPr>
               <a:xfrm flipH="1">
-                <a:off x="1585476" y="1714083"/>
-                <a:ext cx="1" cy="170524"/>
+                <a:off x="1585476" y="1691000"/>
+                <a:ext cx="1" cy="193607"/>
               </a:xfrm>
               <a:prstGeom prst="straightConnector1">
                 <a:avLst/>
@@ -3407,9 +3320,9 @@
         <p:grpSpPr>
           <a:xfrm>
             <a:off x="2461657" y="1485900"/>
-            <a:ext cx="724233" cy="1368152"/>
+            <a:ext cx="724233" cy="1345069"/>
             <a:chOff x="1749049" y="1485900"/>
-            <a:chExt cx="724233" cy="1368152"/>
+            <a:chExt cx="724233" cy="1345069"/>
           </a:xfrm>
         </p:grpSpPr>
         <p:cxnSp>
@@ -3532,13 +3445,13 @@
           <p:grpSpPr>
             <a:xfrm>
               <a:off x="2113242" y="1485900"/>
-              <a:ext cx="360040" cy="1368152"/>
+              <a:ext cx="360040" cy="1345069"/>
               <a:chOff x="1405456" y="1485900"/>
-              <a:chExt cx="360040" cy="1368152"/>
+              <a:chExt cx="360040" cy="1345069"/>
             </a:xfrm>
           </p:grpSpPr>
-          <mc:AlternateContent xmlns:mc="http://schemas.openxmlformats.org/markup-compatibility/2006">
-            <mc:Choice xmlns:a14="http://schemas.microsoft.com/office/drawing/2010/main" Requires="a14">
+          <mc:AlternateContent xmlns:mc="http://schemas.openxmlformats.org/markup-compatibility/2006" xmlns:a14="http://schemas.microsoft.com/office/drawing/2010/main">
+            <mc:Choice Requires="a14">
               <p:sp>
                 <p:nvSpPr>
                   <p:cNvPr id="99" name="テキスト ボックス 98"/>
@@ -3548,7 +3461,7 @@
                 <p:spPr>
                   <a:xfrm>
                     <a:off x="1421904" y="1485900"/>
-                    <a:ext cx="327145" cy="228183"/>
+                    <a:ext cx="327145" cy="205100"/>
                   </a:xfrm>
                   <a:prstGeom prst="rect">
                     <a:avLst/>
@@ -3577,7 +3490,7 @@
                           <m:sSub>
                             <m:sSubPr>
                               <m:ctrlPr>
-                                <a:rPr lang="en-US" altLang="ja-JP" sz="1200" b="0" i="1" smtClean="0">
+                                <a:rPr lang="en-US" altLang="ja-JP" sz="1050" b="0" i="1" smtClean="0">
                                   <a:latin typeface="Cambria Math"/>
                                   <a:ea typeface="ＭＳ ゴシック" pitchFamily="49" charset="-128"/>
                                   <a:cs typeface="Courier New" pitchFamily="49" charset="0"/>
@@ -3586,7 +3499,7 @@
                             </m:sSubPr>
                             <m:e>
                               <m:r>
-                                <a:rPr lang="en-US" altLang="ja-JP" sz="1200" b="0" i="1" smtClean="0">
+                                <a:rPr lang="en-US" altLang="ja-JP" sz="1050" b="0" i="1" smtClean="0">
                                   <a:latin typeface="Cambria Math"/>
                                   <a:ea typeface="ＭＳ ゴシック" pitchFamily="49" charset="-128"/>
                                   <a:cs typeface="Courier New" pitchFamily="49" charset="0"/>
@@ -3596,7 +3509,7 @@
                             </m:e>
                             <m:sub>
                               <m:r>
-                                <a:rPr lang="en-US" altLang="ja-JP" sz="1200" b="0" i="1" smtClean="0">
+                                <a:rPr lang="en-US" altLang="ja-JP" sz="1050" b="0" i="1" smtClean="0">
                                   <a:latin typeface="Cambria Math"/>
                                   <a:ea typeface="ＭＳ ゴシック" pitchFamily="49" charset="-128"/>
                                   <a:cs typeface="Courier New" pitchFamily="49" charset="0"/>
@@ -3608,7 +3521,7 @@
                         </m:oMath>
                       </m:oMathPara>
                     </a14:m>
-                    <a:endParaRPr lang="ja-JP" altLang="en-US" sz="1200">
+                    <a:endParaRPr lang="ja-JP" altLang="en-US" sz="1050">
                       <a:latin typeface="Courier New" pitchFamily="49" charset="0"/>
                       <a:ea typeface="ＭＳ ゴシック" pitchFamily="49" charset="-128"/>
                       <a:cs typeface="Courier New" pitchFamily="49" charset="0"/>
@@ -3617,7 +3530,7 @@
                 </p:txBody>
               </p:sp>
             </mc:Choice>
-            <mc:Fallback>
+            <mc:Fallback xmlns="">
               <p:sp>
                 <p:nvSpPr>
                   <p:cNvPr id="99" name="テキスト ボックス 98"/>
@@ -3635,7 +3548,7 @@
                     <a:avLst/>
                   </a:prstGeom>
                   <a:blipFill rotWithShape="1">
-                    <a:blip r:embed="rId9"/>
+                    <a:blip r:embed="rId10"/>
                     <a:stretch>
                       <a:fillRect/>
                     </a:stretch>
@@ -3662,8 +3575,8 @@
               </p:sp>
             </mc:Fallback>
           </mc:AlternateContent>
-          <mc:AlternateContent xmlns:mc="http://schemas.openxmlformats.org/markup-compatibility/2006">
-            <mc:Choice xmlns:a14="http://schemas.microsoft.com/office/drawing/2010/main" Requires="a14">
+          <mc:AlternateContent xmlns:mc="http://schemas.openxmlformats.org/markup-compatibility/2006" xmlns:a14="http://schemas.microsoft.com/office/drawing/2010/main">
+            <mc:Choice Requires="a14">
               <p:sp>
                 <p:nvSpPr>
                   <p:cNvPr id="100" name="テキスト ボックス 99"/>
@@ -3673,7 +3586,7 @@
                 <p:spPr>
                   <a:xfrm>
                     <a:off x="1421904" y="2625869"/>
-                    <a:ext cx="327145" cy="228183"/>
+                    <a:ext cx="327145" cy="205100"/>
                   </a:xfrm>
                   <a:prstGeom prst="rect">
                     <a:avLst/>
@@ -3702,7 +3615,7 @@
                           <m:sSub>
                             <m:sSubPr>
                               <m:ctrlPr>
-                                <a:rPr lang="en-US" altLang="ja-JP" sz="1200" b="0" i="1" smtClean="0">
+                                <a:rPr lang="en-US" altLang="ja-JP" sz="1050" b="0" i="1" smtClean="0">
                                   <a:latin typeface="Cambria Math"/>
                                   <a:ea typeface="ＭＳ ゴシック" pitchFamily="49" charset="-128"/>
                                   <a:cs typeface="Courier New" pitchFamily="49" charset="0"/>
@@ -3711,7 +3624,7 @@
                             </m:sSubPr>
                             <m:e>
                               <m:r>
-                                <a:rPr lang="en-US" altLang="ja-JP" sz="1200" b="0" i="1" smtClean="0">
+                                <a:rPr lang="en-US" altLang="ja-JP" sz="1050" b="0" i="1" smtClean="0">
                                   <a:latin typeface="Cambria Math"/>
                                   <a:ea typeface="ＭＳ ゴシック" pitchFamily="49" charset="-128"/>
                                   <a:cs typeface="Courier New" pitchFamily="49" charset="0"/>
@@ -3721,7 +3634,7 @@
                             </m:e>
                             <m:sub>
                               <m:r>
-                                <a:rPr lang="en-US" altLang="ja-JP" sz="1200" b="0" i="1" smtClean="0">
+                                <a:rPr lang="en-US" altLang="ja-JP" sz="1050" b="0" i="1" smtClean="0">
                                   <a:latin typeface="Cambria Math"/>
                                   <a:ea typeface="ＭＳ ゴシック" pitchFamily="49" charset="-128"/>
                                   <a:cs typeface="Courier New" pitchFamily="49" charset="0"/>
@@ -3733,7 +3646,7 @@
                         </m:oMath>
                       </m:oMathPara>
                     </a14:m>
-                    <a:endParaRPr lang="ja-JP" altLang="en-US" sz="1200">
+                    <a:endParaRPr lang="ja-JP" altLang="en-US" sz="1050">
                       <a:latin typeface="Courier New" pitchFamily="49" charset="0"/>
                       <a:ea typeface="ＭＳ ゴシック" pitchFamily="49" charset="-128"/>
                       <a:cs typeface="Courier New" pitchFamily="49" charset="0"/>
@@ -3742,7 +3655,7 @@
                 </p:txBody>
               </p:sp>
             </mc:Choice>
-            <mc:Fallback>
+            <mc:Fallback xmlns="">
               <p:sp>
                 <p:nvSpPr>
                   <p:cNvPr id="100" name="テキスト ボックス 99"/>
@@ -3760,7 +3673,7 @@
                     <a:avLst/>
                   </a:prstGeom>
                   <a:blipFill rotWithShape="1">
-                    <a:blip r:embed="rId10"/>
+                    <a:blip r:embed="rId11"/>
                     <a:stretch>
                       <a:fillRect/>
                     </a:stretch>
@@ -3837,18 +3750,25 @@
                         </m:oMathParaPr>
                         <m:oMath xmlns:m="http://schemas.openxmlformats.org/officeDocument/2006/math">
                           <m:r>
-                            <a:rPr kumimoji="1" lang="en-US" altLang="ja-JP" sz="1200" b="0" i="1" smtClean="0">
+                            <m:rPr>
+                              <m:sty m:val="p"/>
+                            </m:rPr>
+                            <a:rPr kumimoji="1" lang="en-US" altLang="ja-JP" sz="1050" b="0" i="0" smtClean="0">
                               <a:solidFill>
                                 <a:schemeClr val="tx1"/>
                               </a:solidFill>
                               <a:latin typeface="Cambria Math"/>
                             </a:rPr>
-                            <m:t>𝐷𝑒𝑐</m:t>
+                            <m:t>Enc</m:t>
                           </m:r>
                         </m:oMath>
                       </m:oMathPara>
                     </a14:m>
-                    <a:endParaRPr kumimoji="1" lang="ja-JP" altLang="en-US"/>
+                    <a:endParaRPr kumimoji="1" lang="ja-JP" altLang="en-US" sz="1050">
+                      <a:solidFill>
+                        <a:schemeClr val="tx1"/>
+                      </a:solidFill>
+                    </a:endParaRPr>
                   </a:p>
                 </p:txBody>
               </p:sp>
@@ -3873,7 +3793,7 @@
                   <a:blipFill rotWithShape="1">
                     <a:blip r:embed="rId5"/>
                     <a:stretch>
-                      <a:fillRect l="-5000"/>
+                      <a:fillRect/>
                     </a:stretch>
                   </a:blipFill>
                   <a:ln w="6350">
@@ -3897,8 +3817,8 @@
               </p:sp>
             </mc:Fallback>
           </mc:AlternateContent>
-          <mc:AlternateContent xmlns:mc="http://schemas.openxmlformats.org/markup-compatibility/2006">
-            <mc:Choice xmlns:a14="http://schemas.microsoft.com/office/drawing/2010/main" Requires="a14">
+          <mc:AlternateContent xmlns:mc="http://schemas.openxmlformats.org/markup-compatibility/2006" xmlns:a14="http://schemas.microsoft.com/office/drawing/2010/main">
+            <mc:Choice Requires="a14">
               <p:sp>
                 <p:nvSpPr>
                   <p:cNvPr id="102" name="テキスト ボックス 101"/>
@@ -3908,7 +3828,7 @@
                 <p:spPr>
                   <a:xfrm>
                     <a:off x="1463829" y="2246624"/>
-                    <a:ext cx="245789" cy="228183"/>
+                    <a:ext cx="245789" cy="205100"/>
                   </a:xfrm>
                   <a:prstGeom prst="rect">
                     <a:avLst/>
@@ -3933,7 +3853,7 @@
                         </m:oMathParaPr>
                         <m:oMath xmlns:m="http://schemas.openxmlformats.org/officeDocument/2006/math">
                           <m:r>
-                            <a:rPr lang="en-US" altLang="ja-JP" sz="1200" b="0" i="1" smtClean="0">
+                            <a:rPr lang="en-US" altLang="ja-JP" sz="1050" b="0" i="1" smtClean="0">
                               <a:latin typeface="Cambria Math"/>
                               <a:ea typeface="ＭＳ ゴシック" pitchFamily="49" charset="-128"/>
                               <a:cs typeface="Courier New" pitchFamily="49" charset="0"/>
@@ -3943,7 +3863,7 @@
                         </m:oMath>
                       </m:oMathPara>
                     </a14:m>
-                    <a:endParaRPr lang="ja-JP" altLang="en-US" sz="1200">
+                    <a:endParaRPr lang="ja-JP" altLang="en-US" sz="1050">
                       <a:latin typeface="Courier New" pitchFamily="49" charset="0"/>
                       <a:ea typeface="ＭＳ ゴシック" pitchFamily="49" charset="-128"/>
                       <a:cs typeface="Courier New" pitchFamily="49" charset="0"/>
@@ -3952,7 +3872,7 @@
                 </p:txBody>
               </p:sp>
             </mc:Choice>
-            <mc:Fallback>
+            <mc:Fallback xmlns="">
               <p:sp>
                 <p:nvSpPr>
                   <p:cNvPr id="102" name="テキスト ボックス 101"/>
@@ -4084,8 +4004,8 @@
             </p:nvCxnSpPr>
             <p:spPr>
               <a:xfrm flipH="1">
-                <a:off x="1585476" y="1714083"/>
-                <a:ext cx="1" cy="170524"/>
+                <a:off x="1585476" y="1691000"/>
+                <a:ext cx="1" cy="193607"/>
               </a:xfrm>
               <a:prstGeom prst="straightConnector1">
                 <a:avLst/>
@@ -4115,6 +4035,111 @@
           </p:cxnSp>
         </p:grpSp>
       </p:grpSp>
+      <mc:AlternateContent xmlns:mc="http://schemas.openxmlformats.org/markup-compatibility/2006">
+        <mc:Choice xmlns:a14="http://schemas.microsoft.com/office/drawing/2010/main" Requires="a14">
+          <p:sp>
+            <p:nvSpPr>
+              <p:cNvPr id="36" name="テキスト ボックス 35"/>
+              <p:cNvSpPr txBox="1"/>
+              <p:nvPr/>
+            </p:nvSpPr>
+            <p:spPr>
+              <a:xfrm>
+                <a:off x="917847" y="2246624"/>
+                <a:ext cx="327145" cy="205100"/>
+              </a:xfrm>
+              <a:prstGeom prst="rect">
+                <a:avLst/>
+              </a:prstGeom>
+              <a:noFill/>
+              <a:ln w="9525" cap="rnd">
+                <a:solidFill>
+                  <a:srgbClr val="000000"/>
+                </a:solidFill>
+                <a:prstDash val="solid"/>
+              </a:ln>
+            </p:spPr>
+            <p:txBody>
+              <a:bodyPr wrap="square" lIns="43094" tIns="21548" rIns="43094" bIns="21548" rtlCol="0">
+                <a:spAutoFit/>
+              </a:bodyPr>
+              <a:lstStyle/>
+              <a:p>
+                <a:pPr algn="ctr"/>
+                <a14:m>
+                  <m:oMathPara xmlns:m="http://schemas.openxmlformats.org/officeDocument/2006/math">
+                    <m:oMathParaPr>
+                      <m:jc m:val="centerGroup"/>
+                    </m:oMathParaPr>
+                    <m:oMath xmlns:m="http://schemas.openxmlformats.org/officeDocument/2006/math">
+                      <m:r>
+                        <m:rPr>
+                          <m:sty m:val="p"/>
+                        </m:rPr>
+                        <a:rPr lang="en-US" altLang="ja-JP" sz="1050" b="0" i="0" smtClean="0">
+                          <a:latin typeface="Cambria Math"/>
+                          <a:ea typeface="HG丸ｺﾞｼｯｸM-PRO" panose="020F0600000000000000" pitchFamily="50" charset="-128"/>
+                          <a:cs typeface="Courier New" pitchFamily="49" charset="0"/>
+                        </a:rPr>
+                        <m:t>IV</m:t>
+                      </m:r>
+                    </m:oMath>
+                  </m:oMathPara>
+                </a14:m>
+                <a:endParaRPr lang="ja-JP" altLang="en-US" sz="1050">
+                  <a:latin typeface="HG丸ｺﾞｼｯｸM-PRO" panose="020F0600000000000000" pitchFamily="50" charset="-128"/>
+                  <a:ea typeface="HG丸ｺﾞｼｯｸM-PRO" panose="020F0600000000000000" pitchFamily="50" charset="-128"/>
+                  <a:cs typeface="Courier New" pitchFamily="49" charset="0"/>
+                </a:endParaRPr>
+              </a:p>
+            </p:txBody>
+          </p:sp>
+        </mc:Choice>
+        <mc:Fallback>
+          <p:sp>
+            <p:nvSpPr>
+              <p:cNvPr id="36" name="テキスト ボックス 35"/>
+              <p:cNvSpPr txBox="1">
+                <a:spLocks noRot="1" noChangeAspect="1" noMove="1" noResize="1" noEditPoints="1" noAdjustHandles="1" noChangeArrowheads="1" noChangeShapeType="1" noTextEdit="1"/>
+              </p:cNvSpPr>
+              <p:nvPr/>
+            </p:nvSpPr>
+            <p:spPr>
+              <a:xfrm>
+                <a:off x="917847" y="2246624"/>
+                <a:ext cx="327145" cy="205100"/>
+              </a:xfrm>
+              <a:prstGeom prst="rect">
+                <a:avLst/>
+              </a:prstGeom>
+              <a:blipFill rotWithShape="1">
+                <a:blip r:embed="rId12"/>
+                <a:stretch>
+                  <a:fillRect/>
+                </a:stretch>
+              </a:blipFill>
+              <a:ln w="9525" cap="rnd">
+                <a:solidFill>
+                  <a:srgbClr val="000000"/>
+                </a:solidFill>
+                <a:prstDash val="solid"/>
+              </a:ln>
+            </p:spPr>
+            <p:txBody>
+              <a:bodyPr/>
+              <a:lstStyle/>
+              <a:p>
+                <a:r>
+                  <a:rPr lang="ja-JP" altLang="en-US">
+                    <a:noFill/>
+                  </a:rPr>
+                  <a:t> </a:t>
+                </a:r>
+              </a:p>
+            </p:txBody>
+          </p:sp>
+        </mc:Fallback>
+      </mc:AlternateContent>
     </p:spTree>
     <p:extLst>
       <p:ext uri="{BB962C8B-B14F-4D97-AF65-F5344CB8AC3E}">

--- a/img/cbc-dec.pptx
+++ b/img/cbc-dec.pptx
@@ -151,7 +151,7 @@
       </p14:sectionLst>
     </p:ext>
     <p:ext uri="{EFAFB233-063F-42B5-8137-9DF3F51BA10A}">
-      <p15:sldGuideLst xmlns="" xmlns:p15="http://schemas.microsoft.com/office/powerpoint/2012/main">
+      <p15:sldGuideLst xmlns:p15="http://schemas.microsoft.com/office/powerpoint/2012/main">
         <p15:guide id="1" orient="horz" pos="2160">
           <p15:clr>
             <a:srgbClr val="A4A3A4"/>
@@ -162,10 +162,20 @@
             <a:srgbClr val="A4A3A4"/>
           </p15:clr>
         </p15:guide>
+        <p15:guide id="3" orient="horz" pos="937">
+          <p15:clr>
+            <a:srgbClr val="A4A3A4"/>
+          </p15:clr>
+        </p15:guide>
+        <p15:guide id="4" pos="1441">
+          <p15:clr>
+            <a:srgbClr val="A4A3A4"/>
+          </p15:clr>
+        </p15:guide>
       </p15:sldGuideLst>
     </p:ext>
     <p:ext uri="{2D200454-40CA-4A62-9FC3-DE9A4176ACB9}">
-      <p15:notesGuideLst xmlns="" xmlns:p15="http://schemas.microsoft.com/office/powerpoint/2012/main">
+      <p15:notesGuideLst xmlns:p15="http://schemas.microsoft.com/office/powerpoint/2012/main">
         <p15:guide id="1" orient="horz" pos="3223">
           <p15:clr>
             <a:srgbClr val="A4A3A4"/>
@@ -2044,7 +2054,7 @@
                           <m:sSubPr>
                             <m:ctrlPr>
                               <a:rPr lang="en-US" altLang="ja-JP" sz="1050" b="0" i="1" smtClean="0">
-                                <a:latin typeface="Cambria Math"/>
+                                <a:latin typeface="Cambria Math" panose="02040503050406030204" pitchFamily="18" charset="0"/>
                                 <a:ea typeface="ＭＳ ゴシック" pitchFamily="49" charset="-128"/>
                                 <a:cs typeface="Courier New" pitchFamily="49" charset="0"/>
                               </a:rPr>
@@ -2169,7 +2179,7 @@
                           <m:sSubPr>
                             <m:ctrlPr>
                               <a:rPr lang="en-US" altLang="ja-JP" sz="1050" b="0" i="1" smtClean="0">
-                                <a:latin typeface="Cambria Math"/>
+                                <a:latin typeface="Cambria Math" panose="02040503050406030204" pitchFamily="18" charset="0"/>
                                 <a:ea typeface="ＭＳ ゴシック" pitchFamily="49" charset="-128"/>
                                 <a:cs typeface="Courier New" pitchFamily="49" charset="0"/>
                               </a:rPr>
@@ -2310,9 +2320,9 @@
                             <a:solidFill>
                               <a:schemeClr val="tx1"/>
                             </a:solidFill>
-                            <a:latin typeface="Cambria Math"/>
+                            <a:latin typeface="Cambria Math" panose="02040503050406030204" pitchFamily="18" charset="0"/>
                           </a:rPr>
-                          <m:t>Enc</m:t>
+                          <m:t>Dec</m:t>
                         </m:r>
                       </m:oMath>
                     </m:oMathPara>
@@ -2343,7 +2353,7 @@
                 <a:prstGeom prst="roundRect">
                   <a:avLst/>
                 </a:prstGeom>
-                <a:blipFill rotWithShape="1">
+                <a:blipFill>
                   <a:blip r:embed="rId5"/>
                   <a:stretch>
                     <a:fillRect/>
@@ -2767,7 +2777,7 @@
                             <m:sSubPr>
                               <m:ctrlPr>
                                 <a:rPr lang="en-US" altLang="ja-JP" sz="1050" b="0" i="1" smtClean="0">
-                                  <a:latin typeface="Cambria Math"/>
+                                  <a:latin typeface="Cambria Math" panose="02040503050406030204" pitchFamily="18" charset="0"/>
                                   <a:ea typeface="ＭＳ ゴシック" pitchFamily="49" charset="-128"/>
                                   <a:cs typeface="Courier New" pitchFamily="49" charset="0"/>
                                 </a:rPr>
@@ -2892,7 +2902,7 @@
                             <m:sSubPr>
                               <m:ctrlPr>
                                 <a:rPr lang="en-US" altLang="ja-JP" sz="1050" b="0" i="1" smtClean="0">
-                                  <a:latin typeface="Cambria Math"/>
+                                  <a:latin typeface="Cambria Math" panose="02040503050406030204" pitchFamily="18" charset="0"/>
                                   <a:ea typeface="ＭＳ ゴシック" pitchFamily="49" charset="-128"/>
                                   <a:cs typeface="Courier New" pitchFamily="49" charset="0"/>
                                 </a:rPr>
@@ -3033,9 +3043,9 @@
                               <a:solidFill>
                                 <a:schemeClr val="tx1"/>
                               </a:solidFill>
-                              <a:latin typeface="Cambria Math"/>
+                              <a:latin typeface="Cambria Math" panose="02040503050406030204" pitchFamily="18" charset="0"/>
                             </a:rPr>
-                            <m:t>Enc</m:t>
+                            <m:t>Dec</m:t>
                           </m:r>
                         </m:oMath>
                       </m:oMathPara>
@@ -3066,8 +3076,8 @@
                   <a:prstGeom prst="roundRect">
                     <a:avLst/>
                   </a:prstGeom>
-                  <a:blipFill rotWithShape="1">
-                    <a:blip r:embed="rId9"/>
+                  <a:blipFill>
+                    <a:blip r:embed="rId5"/>
                     <a:stretch>
                       <a:fillRect/>
                     </a:stretch>
@@ -3491,7 +3501,7 @@
                             <m:sSubPr>
                               <m:ctrlPr>
                                 <a:rPr lang="en-US" altLang="ja-JP" sz="1050" b="0" i="1" smtClean="0">
-                                  <a:latin typeface="Cambria Math"/>
+                                  <a:latin typeface="Cambria Math" panose="02040503050406030204" pitchFamily="18" charset="0"/>
                                   <a:ea typeface="ＭＳ ゴシック" pitchFamily="49" charset="-128"/>
                                   <a:cs typeface="Courier New" pitchFamily="49" charset="0"/>
                                 </a:rPr>
@@ -3616,7 +3626,7 @@
                             <m:sSubPr>
                               <m:ctrlPr>
                                 <a:rPr lang="en-US" altLang="ja-JP" sz="1050" b="0" i="1" smtClean="0">
-                                  <a:latin typeface="Cambria Math"/>
+                                  <a:latin typeface="Cambria Math" panose="02040503050406030204" pitchFamily="18" charset="0"/>
                                   <a:ea typeface="ＭＳ ゴシック" pitchFamily="49" charset="-128"/>
                                   <a:cs typeface="Courier New" pitchFamily="49" charset="0"/>
                                 </a:rPr>
@@ -3757,9 +3767,9 @@
                               <a:solidFill>
                                 <a:schemeClr val="tx1"/>
                               </a:solidFill>
-                              <a:latin typeface="Cambria Math"/>
+                              <a:latin typeface="Cambria Math" panose="02040503050406030204" pitchFamily="18" charset="0"/>
                             </a:rPr>
-                            <m:t>Enc</m:t>
+                            <m:t>Dec</m:t>
                           </m:r>
                         </m:oMath>
                       </m:oMathPara>
@@ -3790,7 +3800,7 @@
                   <a:prstGeom prst="roundRect">
                     <a:avLst/>
                   </a:prstGeom>
-                  <a:blipFill rotWithShape="1">
+                  <a:blipFill>
                     <a:blip r:embed="rId5"/>
                     <a:stretch>
                       <a:fillRect/>
@@ -4035,8 +4045,8 @@
           </p:cxnSp>
         </p:grpSp>
       </p:grpSp>
-      <mc:AlternateContent xmlns:mc="http://schemas.openxmlformats.org/markup-compatibility/2006">
-        <mc:Choice xmlns:a14="http://schemas.microsoft.com/office/drawing/2010/main" Requires="a14">
+      <mc:AlternateContent xmlns:mc="http://schemas.openxmlformats.org/markup-compatibility/2006" xmlns:a14="http://schemas.microsoft.com/office/drawing/2010/main">
+        <mc:Choice Requires="a14">
           <p:sp>
             <p:nvSpPr>
               <p:cNvPr id="36" name="テキスト ボックス 35"/>
@@ -4095,7 +4105,7 @@
             </p:txBody>
           </p:sp>
         </mc:Choice>
-        <mc:Fallback>
+        <mc:Fallback xmlns="">
           <p:sp>
             <p:nvSpPr>
               <p:cNvPr id="36" name="テキスト ボックス 35"/>
